--- a/Алгоритм Прима.pptx
+++ b/Алгоритм Прима.pptx
@@ -464,7 +464,7 @@
           <a:p>
             <a:fld id="{CF9CF961-A210-4281-BE3F-F88C645A67DE}" type="datetimeFigureOut">
               <a:rPr lang="en-US" smtClean="0"/>
-              <a:t>11/30/2020</a:t>
+              <a:t>12/3/2020</a:t>
             </a:fld>
             <a:endParaRPr lang="en-US"/>
           </a:p>
@@ -1552,7 +1552,7 @@
           <a:p>
             <a:fld id="{CF9CF961-A210-4281-BE3F-F88C645A67DE}" type="datetimeFigureOut">
               <a:rPr lang="en-US" smtClean="0"/>
-              <a:t>11/30/2020</a:t>
+              <a:t>12/3/2020</a:t>
             </a:fld>
             <a:endParaRPr lang="en-US"/>
           </a:p>
@@ -2532,7 +2532,7 @@
           <a:p>
             <a:fld id="{CF9CF961-A210-4281-BE3F-F88C645A67DE}" type="datetimeFigureOut">
               <a:rPr lang="en-US" smtClean="0"/>
-              <a:t>11/30/2020</a:t>
+              <a:t>12/3/2020</a:t>
             </a:fld>
             <a:endParaRPr lang="en-US"/>
           </a:p>
@@ -3666,7 +3666,7 @@
           <a:p>
             <a:fld id="{CF9CF961-A210-4281-BE3F-F88C645A67DE}" type="datetimeFigureOut">
               <a:rPr lang="en-US" smtClean="0"/>
-              <a:t>11/30/2020</a:t>
+              <a:t>12/3/2020</a:t>
             </a:fld>
             <a:endParaRPr lang="en-US"/>
           </a:p>
@@ -4699,7 +4699,7 @@
           <a:p>
             <a:fld id="{CF9CF961-A210-4281-BE3F-F88C645A67DE}" type="datetimeFigureOut">
               <a:rPr lang="en-US" smtClean="0"/>
-              <a:t>11/30/2020</a:t>
+              <a:t>12/3/2020</a:t>
             </a:fld>
             <a:endParaRPr lang="en-US"/>
           </a:p>
@@ -5359,7 +5359,7 @@
           <a:p>
             <a:fld id="{CF9CF961-A210-4281-BE3F-F88C645A67DE}" type="datetimeFigureOut">
               <a:rPr lang="en-US" smtClean="0"/>
-              <a:t>11/30/2020</a:t>
+              <a:t>12/3/2020</a:t>
             </a:fld>
             <a:endParaRPr lang="en-US"/>
           </a:p>
@@ -6220,7 +6220,7 @@
           <a:p>
             <a:fld id="{CF9CF961-A210-4281-BE3F-F88C645A67DE}" type="datetimeFigureOut">
               <a:rPr lang="en-US" smtClean="0"/>
-              <a:t>11/30/2020</a:t>
+              <a:t>12/3/2020</a:t>
             </a:fld>
             <a:endParaRPr lang="en-US"/>
           </a:p>
@@ -6410,7 +6410,7 @@
           <a:p>
             <a:fld id="{CF9CF961-A210-4281-BE3F-F88C645A67DE}" type="datetimeFigureOut">
               <a:rPr lang="en-US" smtClean="0"/>
-              <a:t>11/30/2020</a:t>
+              <a:t>12/3/2020</a:t>
             </a:fld>
             <a:endParaRPr lang="en-US"/>
           </a:p>
@@ -7382,7 +7382,7 @@
           <a:p>
             <a:fld id="{CF9CF961-A210-4281-BE3F-F88C645A67DE}" type="datetimeFigureOut">
               <a:rPr lang="en-US" smtClean="0"/>
-              <a:t>11/30/2020</a:t>
+              <a:t>12/3/2020</a:t>
             </a:fld>
             <a:endParaRPr lang="en-US"/>
           </a:p>
@@ -7593,7 +7593,7 @@
           <a:p>
             <a:fld id="{CF9CF961-A210-4281-BE3F-F88C645A67DE}" type="datetimeFigureOut">
               <a:rPr lang="en-US" smtClean="0"/>
-              <a:t>11/30/2020</a:t>
+              <a:t>12/3/2020</a:t>
             </a:fld>
             <a:endParaRPr lang="en-US"/>
           </a:p>
@@ -8627,7 +8627,7 @@
           <a:p>
             <a:fld id="{CF9CF961-A210-4281-BE3F-F88C645A67DE}" type="datetimeFigureOut">
               <a:rPr lang="en-US" smtClean="0"/>
-              <a:t>11/30/2020</a:t>
+              <a:t>12/3/2020</a:t>
             </a:fld>
             <a:endParaRPr lang="en-US"/>
           </a:p>
@@ -8899,7 +8899,7 @@
           <a:p>
             <a:fld id="{CF9CF961-A210-4281-BE3F-F88C645A67DE}" type="datetimeFigureOut">
               <a:rPr lang="en-US" smtClean="0"/>
-              <a:t>11/30/2020</a:t>
+              <a:t>12/3/2020</a:t>
             </a:fld>
             <a:endParaRPr lang="en-US"/>
           </a:p>
@@ -9309,7 +9309,7 @@
           <a:p>
             <a:fld id="{CF9CF961-A210-4281-BE3F-F88C645A67DE}" type="datetimeFigureOut">
               <a:rPr lang="en-US" smtClean="0"/>
-              <a:t>11/30/2020</a:t>
+              <a:t>12/3/2020</a:t>
             </a:fld>
             <a:endParaRPr lang="en-US"/>
           </a:p>
@@ -9436,7 +9436,7 @@
           <a:p>
             <a:fld id="{CF9CF961-A210-4281-BE3F-F88C645A67DE}" type="datetimeFigureOut">
               <a:rPr lang="en-US" smtClean="0"/>
-              <a:t>11/30/2020</a:t>
+              <a:t>12/3/2020</a:t>
             </a:fld>
             <a:endParaRPr lang="en-US"/>
           </a:p>
@@ -9531,7 +9531,7 @@
           <a:p>
             <a:fld id="{CF9CF961-A210-4281-BE3F-F88C645A67DE}" type="datetimeFigureOut">
               <a:rPr lang="en-US" smtClean="0"/>
-              <a:t>11/30/2020</a:t>
+              <a:t>12/3/2020</a:t>
             </a:fld>
             <a:endParaRPr lang="en-US"/>
           </a:p>
@@ -10612,7 +10612,7 @@
           <a:p>
             <a:fld id="{CF9CF961-A210-4281-BE3F-F88C645A67DE}" type="datetimeFigureOut">
               <a:rPr lang="en-US" smtClean="0"/>
-              <a:t>11/30/2020</a:t>
+              <a:t>12/3/2020</a:t>
             </a:fld>
             <a:endParaRPr lang="en-US"/>
           </a:p>
@@ -11720,7 +11720,7 @@
           <a:p>
             <a:fld id="{CF9CF961-A210-4281-BE3F-F88C645A67DE}" type="datetimeFigureOut">
               <a:rPr lang="en-US" smtClean="0"/>
-              <a:t>11/30/2020</a:t>
+              <a:t>12/3/2020</a:t>
             </a:fld>
             <a:endParaRPr lang="en-US"/>
           </a:p>
@@ -12717,7 +12717,7 @@
           <a:p>
             <a:fld id="{CF9CF961-A210-4281-BE3F-F88C645A67DE}" type="datetimeFigureOut">
               <a:rPr lang="en-US" smtClean="0"/>
-              <a:t>11/30/2020</a:t>
+              <a:t>12/3/2020</a:t>
             </a:fld>
             <a:endParaRPr lang="en-US"/>
           </a:p>
@@ -15644,11 +15644,6 @@
               </a:rPr>
               <a:t>    }</a:t>
             </a:r>
-            <a:endParaRPr lang="en-US" sz="2000" dirty="0">
-              <a:solidFill>
-                <a:schemeClr val="bg1"/>
-              </a:solidFill>
-            </a:endParaRPr>
           </a:p>
         </p:txBody>
       </p:sp>
@@ -18884,6 +18879,30 @@
           </a:p>
         </p:txBody>
       </p:sp>
+      <p:pic>
+        <p:nvPicPr>
+          <p:cNvPr id="4" name="Picture 3"/>
+          <p:cNvPicPr>
+            <a:picLocks noChangeAspect="1"/>
+          </p:cNvPicPr>
+          <p:nvPr/>
+        </p:nvPicPr>
+        <p:blipFill>
+          <a:blip r:embed="rId2"/>
+          <a:stretch>
+            <a:fillRect/>
+          </a:stretch>
+        </p:blipFill>
+        <p:spPr>
+          <a:xfrm>
+            <a:off x="3982944" y="1585402"/>
+            <a:ext cx="7558588" cy="3550068"/>
+          </a:xfrm>
+          <a:prstGeom prst="rect">
+            <a:avLst/>
+          </a:prstGeom>
+        </p:spPr>
+      </p:pic>
     </p:spTree>
     <p:extLst>
       <p:ext uri="{BB962C8B-B14F-4D97-AF65-F5344CB8AC3E}">
